--- a/Later/Regex/15/Java Common matching symbols.pptx
+++ b/Later/Regex/15/Java Common matching symbols.pptx
@@ -3618,7 +3618,7 @@
         </p:nvSpPr>
         <p:spPr>
           <a:xfrm>
-            <a:off x="3352800" y="9951"/>
+            <a:off x="3276600" y="9951"/>
             <a:ext cx="2590800" cy="276999"/>
           </a:xfrm>
           <a:prstGeom prst="rect">
@@ -3654,7 +3654,6 @@
               <a:rPr lang="en-US" sz="1200" dirty="0"/>
               <a:t>matching symbols</a:t>
             </a:r>
-            <a:endParaRPr lang="en-US" sz="1200" dirty="0"/>
           </a:p>
         </p:txBody>
       </p:sp>
